--- a/docs/assets/banner.pptx
+++ b/docs/assets/banner.pptx
@@ -6,6 +6,7 @@
   </p:sldMasterIdLst>
   <p:sldIdLst>
     <p:sldId id="256" r:id="rId2"/>
+    <p:sldId id="257" r:id="rId3"/>
   </p:sldIdLst>
   <p:sldSz cx="12192000" cy="6858000"/>
   <p:notesSz cx="6858000" cy="9144000"/>
@@ -3990,6 +3991,198 @@
 </p:sld>
 </file>
 
+<file path=ppt/slides/slide2.xml><?xml version="1.0" encoding="utf-8"?>
+<p:sld xmlns:a="http://schemas.openxmlformats.org/drawingml/2006/main" xmlns:r="http://schemas.openxmlformats.org/officeDocument/2006/relationships" xmlns:p="http://schemas.openxmlformats.org/presentationml/2006/main">
+  <p:cSld>
+    <p:spTree>
+      <p:nvGrpSpPr>
+        <p:cNvPr id="1" name=""/>
+        <p:cNvGrpSpPr/>
+        <p:nvPr/>
+      </p:nvGrpSpPr>
+      <p:grpSpPr>
+        <a:xfrm>
+          <a:off x="0" y="0"/>
+          <a:ext cx="0" cy="0"/>
+          <a:chOff x="0" y="0"/>
+          <a:chExt cx="0" cy="0"/>
+        </a:xfrm>
+      </p:grpSpPr>
+      <p:sp>
+        <p:nvSpPr>
+          <p:cNvPr id="5" name="矩形 4">
+            <a:extLst>
+              <a:ext uri="{FF2B5EF4-FFF2-40B4-BE49-F238E27FC236}">
+                <a16:creationId xmlns:a16="http://schemas.microsoft.com/office/drawing/2014/main" id="{AA43872C-745E-9BDC-1F83-2B173756A34B}"/>
+              </a:ext>
+            </a:extLst>
+          </p:cNvPr>
+          <p:cNvSpPr/>
+          <p:nvPr/>
+        </p:nvSpPr>
+        <p:spPr>
+          <a:xfrm>
+            <a:off x="3179981" y="2967335"/>
+            <a:ext cx="5832046" cy="923330"/>
+          </a:xfrm>
+          <a:prstGeom prst="rect">
+            <a:avLst/>
+          </a:prstGeom>
+          <a:noFill/>
+        </p:spPr>
+        <p:txBody>
+          <a:bodyPr wrap="none" lIns="91440" tIns="45720" rIns="91440" bIns="45720">
+            <a:spAutoFit/>
+          </a:bodyPr>
+          <a:lstStyle/>
+          <a:p>
+            <a:pPr algn="ctr"/>
+            <a:r>
+              <a:rPr lang="en-US" altLang="zh-CN" sz="5400" b="1" dirty="0">
+                <a:ln w="6600">
+                  <a:solidFill>
+                    <a:schemeClr val="accent2"/>
+                  </a:solidFill>
+                  <a:prstDash val="solid"/>
+                </a:ln>
+                <a:solidFill>
+                  <a:srgbClr val="FFFFFF"/>
+                </a:solidFill>
+                <a:effectLst>
+                  <a:outerShdw dist="38100" dir="2700000" algn="tl" rotWithShape="0">
+                    <a:schemeClr val="accent2"/>
+                  </a:outerShdw>
+                </a:effectLst>
+              </a:rPr>
+              <a:t>V-Control Sample</a:t>
+            </a:r>
+            <a:endParaRPr lang="zh-CN" altLang="en-US" sz="5400" b="1" dirty="0">
+              <a:ln w="6600">
+                <a:solidFill>
+                  <a:schemeClr val="accent2"/>
+                </a:solidFill>
+                <a:prstDash val="solid"/>
+              </a:ln>
+              <a:solidFill>
+                <a:srgbClr val="FFFFFF"/>
+              </a:solidFill>
+              <a:effectLst>
+                <a:outerShdw dist="38100" dir="2700000" algn="tl" rotWithShape="0">
+                  <a:schemeClr val="accent2"/>
+                </a:outerShdw>
+              </a:effectLst>
+            </a:endParaRPr>
+          </a:p>
+        </p:txBody>
+      </p:sp>
+      <p:sp>
+        <p:nvSpPr>
+          <p:cNvPr id="2" name="矩形 1">
+            <a:extLst>
+              <a:ext uri="{FF2B5EF4-FFF2-40B4-BE49-F238E27FC236}">
+                <a16:creationId xmlns:a16="http://schemas.microsoft.com/office/drawing/2014/main" id="{F008BE45-8EC0-F223-9EAE-5C90A82FB945}"/>
+              </a:ext>
+            </a:extLst>
+          </p:cNvPr>
+          <p:cNvSpPr/>
+          <p:nvPr/>
+        </p:nvSpPr>
+        <p:spPr>
+          <a:xfrm>
+            <a:off x="3179981" y="489606"/>
+            <a:ext cx="3514104" cy="1754326"/>
+          </a:xfrm>
+          <a:prstGeom prst="rect">
+            <a:avLst/>
+          </a:prstGeom>
+          <a:noFill/>
+        </p:spPr>
+        <p:txBody>
+          <a:bodyPr wrap="none" lIns="91440" tIns="45720" rIns="91440" bIns="45720">
+            <a:spAutoFit/>
+          </a:bodyPr>
+          <a:lstStyle/>
+          <a:p>
+            <a:pPr algn="ctr"/>
+            <a:r>
+              <a:rPr lang="en-US" altLang="zh-CN" sz="5400" b="1" dirty="0">
+                <a:ln w="9525">
+                  <a:solidFill>
+                    <a:schemeClr val="bg1"/>
+                  </a:solidFill>
+                  <a:prstDash val="solid"/>
+                </a:ln>
+                <a:solidFill>
+                  <a:srgbClr val="FF781B"/>
+                </a:solidFill>
+                <a:effectLst>
+                  <a:outerShdw blurRad="12700" dist="38100" dir="2700000" algn="tl" rotWithShape="0">
+                    <a:schemeClr val="bg1">
+                      <a:lumMod val="50000"/>
+                    </a:schemeClr>
+                  </a:outerShdw>
+                </a:effectLst>
+              </a:rPr>
+              <a:t>V-Control </a:t>
+            </a:r>
+          </a:p>
+          <a:p>
+            <a:pPr algn="ctr"/>
+            <a:r>
+              <a:rPr lang="en-US" altLang="zh-CN" sz="5400" b="1">
+                <a:ln w="9525">
+                  <a:solidFill>
+                    <a:schemeClr val="bg1"/>
+                  </a:solidFill>
+                  <a:prstDash val="solid"/>
+                </a:ln>
+                <a:solidFill>
+                  <a:srgbClr val="FF781B"/>
+                </a:solidFill>
+                <a:effectLst>
+                  <a:outerShdw blurRad="12700" dist="38100" dir="2700000" algn="tl" rotWithShape="0">
+                    <a:schemeClr val="bg1">
+                      <a:lumMod val="50000"/>
+                    </a:schemeClr>
+                  </a:outerShdw>
+                </a:effectLst>
+              </a:rPr>
+              <a:t>Samples</a:t>
+            </a:r>
+            <a:endParaRPr lang="zh-CN" altLang="en-US" sz="5400" b="1" dirty="0">
+              <a:ln w="9525">
+                <a:solidFill>
+                  <a:schemeClr val="bg1"/>
+                </a:solidFill>
+                <a:prstDash val="solid"/>
+              </a:ln>
+              <a:solidFill>
+                <a:srgbClr val="FF781B"/>
+              </a:solidFill>
+              <a:effectLst>
+                <a:outerShdw blurRad="12700" dist="38100" dir="2700000" algn="tl" rotWithShape="0">
+                  <a:schemeClr val="bg1">
+                    <a:lumMod val="50000"/>
+                  </a:schemeClr>
+                </a:outerShdw>
+              </a:effectLst>
+            </a:endParaRPr>
+          </a:p>
+        </p:txBody>
+      </p:sp>
+    </p:spTree>
+    <p:extLst>
+      <p:ext uri="{BB962C8B-B14F-4D97-AF65-F5344CB8AC3E}">
+        <p14:creationId xmlns:p14="http://schemas.microsoft.com/office/powerpoint/2010/main" val="4083759908"/>
+      </p:ext>
+    </p:extLst>
+  </p:cSld>
+  <p:clrMapOvr>
+    <a:masterClrMapping/>
+  </p:clrMapOvr>
+</p:sld>
+</file>
+
 <file path=ppt/theme/theme1.xml><?xml version="1.0" encoding="utf-8"?>
 <a:theme xmlns:a="http://schemas.openxmlformats.org/drawingml/2006/main" name="Office 主题​​">
   <a:themeElements>

--- a/docs/assets/banner.pptx
+++ b/docs/assets/banner.pptx
@@ -260,7 +260,7 @@
           <a:p>
             <a:fld id="{7362D768-B4B8-4E06-9117-C9DBE79393A8}" type="datetimeFigureOut">
               <a:rPr lang="zh-CN" altLang="en-US" smtClean="0"/>
-              <a:t>2025/2/6</a:t>
+              <a:t>2025/2/8</a:t>
             </a:fld>
             <a:endParaRPr lang="zh-CN" altLang="en-US"/>
           </a:p>
@@ -458,7 +458,7 @@
           <a:p>
             <a:fld id="{7362D768-B4B8-4E06-9117-C9DBE79393A8}" type="datetimeFigureOut">
               <a:rPr lang="zh-CN" altLang="en-US" smtClean="0"/>
-              <a:t>2025/2/6</a:t>
+              <a:t>2025/2/8</a:t>
             </a:fld>
             <a:endParaRPr lang="zh-CN" altLang="en-US"/>
           </a:p>
@@ -666,7 +666,7 @@
           <a:p>
             <a:fld id="{7362D768-B4B8-4E06-9117-C9DBE79393A8}" type="datetimeFigureOut">
               <a:rPr lang="zh-CN" altLang="en-US" smtClean="0"/>
-              <a:t>2025/2/6</a:t>
+              <a:t>2025/2/8</a:t>
             </a:fld>
             <a:endParaRPr lang="zh-CN" altLang="en-US"/>
           </a:p>
@@ -864,7 +864,7 @@
           <a:p>
             <a:fld id="{7362D768-B4B8-4E06-9117-C9DBE79393A8}" type="datetimeFigureOut">
               <a:rPr lang="zh-CN" altLang="en-US" smtClean="0"/>
-              <a:t>2025/2/6</a:t>
+              <a:t>2025/2/8</a:t>
             </a:fld>
             <a:endParaRPr lang="zh-CN" altLang="en-US"/>
           </a:p>
@@ -1139,7 +1139,7 @@
           <a:p>
             <a:fld id="{7362D768-B4B8-4E06-9117-C9DBE79393A8}" type="datetimeFigureOut">
               <a:rPr lang="zh-CN" altLang="en-US" smtClean="0"/>
-              <a:t>2025/2/6</a:t>
+              <a:t>2025/2/8</a:t>
             </a:fld>
             <a:endParaRPr lang="zh-CN" altLang="en-US"/>
           </a:p>
@@ -1404,7 +1404,7 @@
           <a:p>
             <a:fld id="{7362D768-B4B8-4E06-9117-C9DBE79393A8}" type="datetimeFigureOut">
               <a:rPr lang="zh-CN" altLang="en-US" smtClean="0"/>
-              <a:t>2025/2/6</a:t>
+              <a:t>2025/2/8</a:t>
             </a:fld>
             <a:endParaRPr lang="zh-CN" altLang="en-US"/>
           </a:p>
@@ -1816,7 +1816,7 @@
           <a:p>
             <a:fld id="{7362D768-B4B8-4E06-9117-C9DBE79393A8}" type="datetimeFigureOut">
               <a:rPr lang="zh-CN" altLang="en-US" smtClean="0"/>
-              <a:t>2025/2/6</a:t>
+              <a:t>2025/2/8</a:t>
             </a:fld>
             <a:endParaRPr lang="zh-CN" altLang="en-US"/>
           </a:p>
@@ -1957,7 +1957,7 @@
           <a:p>
             <a:fld id="{7362D768-B4B8-4E06-9117-C9DBE79393A8}" type="datetimeFigureOut">
               <a:rPr lang="zh-CN" altLang="en-US" smtClean="0"/>
-              <a:t>2025/2/6</a:t>
+              <a:t>2025/2/8</a:t>
             </a:fld>
             <a:endParaRPr lang="zh-CN" altLang="en-US"/>
           </a:p>
@@ -2070,7 +2070,7 @@
           <a:p>
             <a:fld id="{7362D768-B4B8-4E06-9117-C9DBE79393A8}" type="datetimeFigureOut">
               <a:rPr lang="zh-CN" altLang="en-US" smtClean="0"/>
-              <a:t>2025/2/6</a:t>
+              <a:t>2025/2/8</a:t>
             </a:fld>
             <a:endParaRPr lang="zh-CN" altLang="en-US"/>
           </a:p>
@@ -2381,7 +2381,7 @@
           <a:p>
             <a:fld id="{7362D768-B4B8-4E06-9117-C9DBE79393A8}" type="datetimeFigureOut">
               <a:rPr lang="zh-CN" altLang="en-US" smtClean="0"/>
-              <a:t>2025/2/6</a:t>
+              <a:t>2025/2/8</a:t>
             </a:fld>
             <a:endParaRPr lang="zh-CN" altLang="en-US"/>
           </a:p>
@@ -2669,7 +2669,7 @@
           <a:p>
             <a:fld id="{7362D768-B4B8-4E06-9117-C9DBE79393A8}" type="datetimeFigureOut">
               <a:rPr lang="zh-CN" altLang="en-US" smtClean="0"/>
-              <a:t>2025/2/6</a:t>
+              <a:t>2025/2/8</a:t>
             </a:fld>
             <a:endParaRPr lang="zh-CN" altLang="en-US"/>
           </a:p>
@@ -2910,7 +2910,7 @@
           <a:p>
             <a:fld id="{7362D768-B4B8-4E06-9117-C9DBE79393A8}" type="datetimeFigureOut">
               <a:rPr lang="zh-CN" altLang="en-US" smtClean="0"/>
-              <a:t>2025/2/6</a:t>
+              <a:t>2025/2/8</a:t>
             </a:fld>
             <a:endParaRPr lang="zh-CN" altLang="en-US"/>
           </a:p>
@@ -3329,10 +3329,10 @@
       </p:grpSpPr>
       <p:grpSp>
         <p:nvGrpSpPr>
-          <p:cNvPr id="26" name="组合 25">
-            <a:extLst>
-              <a:ext uri="{FF2B5EF4-FFF2-40B4-BE49-F238E27FC236}">
-                <a16:creationId xmlns:a16="http://schemas.microsoft.com/office/drawing/2014/main" id="{24FB1ED7-78F4-4AB9-EC7A-7A4A1F706472}"/>
+          <p:cNvPr id="32" name="组合 31">
+            <a:extLst>
+              <a:ext uri="{FF2B5EF4-FFF2-40B4-BE49-F238E27FC236}">
+                <a16:creationId xmlns:a16="http://schemas.microsoft.com/office/drawing/2014/main" id="{B5E9948A-1F9E-7236-C6C1-1EB01CC41CDA}"/>
               </a:ext>
             </a:extLst>
           </p:cNvPr>
@@ -3341,18 +3341,723 @@
         </p:nvGrpSpPr>
         <p:grpSpPr>
           <a:xfrm>
-            <a:off x="652623" y="288939"/>
-            <a:ext cx="8471009" cy="7963752"/>
-            <a:chOff x="652623" y="288939"/>
-            <a:chExt cx="8471009" cy="7963752"/>
+            <a:off x="130833" y="132761"/>
+            <a:ext cx="14430020" cy="9881790"/>
+            <a:chOff x="130833" y="132761"/>
+            <a:chExt cx="14430020" cy="9881790"/>
           </a:xfrm>
         </p:grpSpPr>
+        <p:grpSp>
+          <p:nvGrpSpPr>
+            <p:cNvPr id="24" name="组合 23">
+              <a:extLst>
+                <a:ext uri="{FF2B5EF4-FFF2-40B4-BE49-F238E27FC236}">
+                  <a16:creationId xmlns:a16="http://schemas.microsoft.com/office/drawing/2014/main" id="{DE705597-DD51-A92E-609C-7F68AA2A904E}"/>
+                </a:ext>
+              </a:extLst>
+            </p:cNvPr>
+            <p:cNvGrpSpPr/>
+            <p:nvPr/>
+          </p:nvGrpSpPr>
+          <p:grpSpPr>
+            <a:xfrm>
+              <a:off x="3063338" y="132761"/>
+              <a:ext cx="2700000" cy="9856086"/>
+              <a:chOff x="3277932" y="218690"/>
+              <a:chExt cx="2700000" cy="9856086"/>
+            </a:xfrm>
+          </p:grpSpPr>
+          <p:pic>
+            <p:nvPicPr>
+              <p:cNvPr id="17" name="图片 16">
+                <a:extLst>
+                  <a:ext uri="{FF2B5EF4-FFF2-40B4-BE49-F238E27FC236}">
+                    <a16:creationId xmlns:a16="http://schemas.microsoft.com/office/drawing/2014/main" id="{E1300CF4-6DF2-F1C2-1067-AD7E42247F6C}"/>
+                  </a:ext>
+                </a:extLst>
+              </p:cNvPr>
+              <p:cNvPicPr>
+                <a:picLocks noChangeAspect="1"/>
+              </p:cNvPicPr>
+              <p:nvPr/>
+            </p:nvPicPr>
+            <p:blipFill>
+              <a:blip r:embed="rId2"/>
+              <a:stretch>
+                <a:fillRect/>
+              </a:stretch>
+            </p:blipFill>
+            <p:spPr>
+              <a:xfrm>
+                <a:off x="3277932" y="2849616"/>
+                <a:ext cx="2700000" cy="2982463"/>
+              </a:xfrm>
+              <a:prstGeom prst="rect">
+                <a:avLst/>
+              </a:prstGeom>
+              <a:ln>
+                <a:noFill/>
+              </a:ln>
+              <a:effectLst>
+                <a:outerShdw blurRad="292100" dist="139700" dir="2700000" algn="tl" rotWithShape="0">
+                  <a:srgbClr val="333333">
+                    <a:alpha val="65000"/>
+                  </a:srgbClr>
+                </a:outerShdw>
+              </a:effectLst>
+            </p:spPr>
+          </p:pic>
+          <p:pic>
+            <p:nvPicPr>
+              <p:cNvPr id="25" name="图片 24">
+                <a:extLst>
+                  <a:ext uri="{FF2B5EF4-FFF2-40B4-BE49-F238E27FC236}">
+                    <a16:creationId xmlns:a16="http://schemas.microsoft.com/office/drawing/2014/main" id="{221A32CF-107B-342D-5A95-6F70DB874528}"/>
+                  </a:ext>
+                </a:extLst>
+              </p:cNvPr>
+              <p:cNvPicPr>
+                <a:picLocks noChangeAspect="1"/>
+              </p:cNvPicPr>
+              <p:nvPr/>
+            </p:nvPicPr>
+            <p:blipFill>
+              <a:blip r:embed="rId3"/>
+              <a:stretch>
+                <a:fillRect/>
+              </a:stretch>
+            </p:blipFill>
+            <p:spPr>
+              <a:xfrm>
+                <a:off x="3277932" y="6248225"/>
+                <a:ext cx="2700000" cy="3826551"/>
+              </a:xfrm>
+              <a:prstGeom prst="rect">
+                <a:avLst/>
+              </a:prstGeom>
+              <a:ln>
+                <a:noFill/>
+              </a:ln>
+              <a:effectLst>
+                <a:outerShdw blurRad="292100" dist="139700" dir="2700000" algn="tl" rotWithShape="0">
+                  <a:srgbClr val="333333">
+                    <a:alpha val="65000"/>
+                  </a:srgbClr>
+                </a:outerShdw>
+              </a:effectLst>
+            </p:spPr>
+          </p:pic>
+          <p:pic>
+            <p:nvPicPr>
+              <p:cNvPr id="6" name="图片 5">
+                <a:extLst>
+                  <a:ext uri="{FF2B5EF4-FFF2-40B4-BE49-F238E27FC236}">
+                    <a16:creationId xmlns:a16="http://schemas.microsoft.com/office/drawing/2014/main" id="{0C20B93D-D0EC-3DAB-4A87-165BA75C88CF}"/>
+                  </a:ext>
+                </a:extLst>
+              </p:cNvPr>
+              <p:cNvPicPr>
+                <a:picLocks noChangeAspect="1"/>
+              </p:cNvPicPr>
+              <p:nvPr/>
+            </p:nvPicPr>
+            <p:blipFill>
+              <a:blip r:embed="rId4"/>
+              <a:stretch>
+                <a:fillRect/>
+              </a:stretch>
+            </p:blipFill>
+            <p:spPr>
+              <a:xfrm>
+                <a:off x="3277932" y="218690"/>
+                <a:ext cx="2700000" cy="2244375"/>
+              </a:xfrm>
+              <a:prstGeom prst="rect">
+                <a:avLst/>
+              </a:prstGeom>
+              <a:ln>
+                <a:noFill/>
+              </a:ln>
+              <a:effectLst>
+                <a:outerShdw blurRad="292100" dist="139700" dir="2700000" algn="tl" rotWithShape="0">
+                  <a:srgbClr val="333333">
+                    <a:alpha val="65000"/>
+                  </a:srgbClr>
+                </a:outerShdw>
+              </a:effectLst>
+            </p:spPr>
+          </p:pic>
+        </p:grpSp>
+        <p:grpSp>
+          <p:nvGrpSpPr>
+            <p:cNvPr id="29" name="组合 28">
+              <a:extLst>
+                <a:ext uri="{FF2B5EF4-FFF2-40B4-BE49-F238E27FC236}">
+                  <a16:creationId xmlns:a16="http://schemas.microsoft.com/office/drawing/2014/main" id="{882407A8-5D33-6294-0BA7-6CC835D91B55}"/>
+                </a:ext>
+              </a:extLst>
+            </p:cNvPr>
+            <p:cNvGrpSpPr/>
+            <p:nvPr/>
+          </p:nvGrpSpPr>
+          <p:grpSpPr>
+            <a:xfrm>
+              <a:off x="11860853" y="132761"/>
+              <a:ext cx="2700000" cy="9821125"/>
+              <a:chOff x="11860853" y="233199"/>
+              <a:chExt cx="2700000" cy="9821125"/>
+            </a:xfrm>
+          </p:grpSpPr>
+          <p:pic>
+            <p:nvPicPr>
+              <p:cNvPr id="9" name="图片 8">
+                <a:extLst>
+                  <a:ext uri="{FF2B5EF4-FFF2-40B4-BE49-F238E27FC236}">
+                    <a16:creationId xmlns:a16="http://schemas.microsoft.com/office/drawing/2014/main" id="{8D0F686B-1E29-74C2-7596-DD0ED6686280}"/>
+                  </a:ext>
+                </a:extLst>
+              </p:cNvPr>
+              <p:cNvPicPr>
+                <a:picLocks noChangeAspect="1"/>
+              </p:cNvPicPr>
+              <p:nvPr/>
+            </p:nvPicPr>
+            <p:blipFill>
+              <a:blip r:embed="rId5"/>
+              <a:stretch>
+                <a:fillRect/>
+              </a:stretch>
+            </p:blipFill>
+            <p:spPr>
+              <a:xfrm>
+                <a:off x="11860853" y="4461468"/>
+                <a:ext cx="2700000" cy="2892856"/>
+              </a:xfrm>
+              <a:prstGeom prst="rect">
+                <a:avLst/>
+              </a:prstGeom>
+              <a:ln>
+                <a:noFill/>
+              </a:ln>
+              <a:effectLst>
+                <a:outerShdw blurRad="292100" dist="139700" dir="2700000" algn="tl" rotWithShape="0">
+                  <a:srgbClr val="333333">
+                    <a:alpha val="65000"/>
+                  </a:srgbClr>
+                </a:outerShdw>
+              </a:effectLst>
+            </p:spPr>
+          </p:pic>
+          <p:pic>
+            <p:nvPicPr>
+              <p:cNvPr id="23" name="图片 22">
+                <a:extLst>
+                  <a:ext uri="{FF2B5EF4-FFF2-40B4-BE49-F238E27FC236}">
+                    <a16:creationId xmlns:a16="http://schemas.microsoft.com/office/drawing/2014/main" id="{BD724E23-9B75-8EDA-10D0-04AAE3B8653B}"/>
+                  </a:ext>
+                </a:extLst>
+              </p:cNvPr>
+              <p:cNvPicPr>
+                <a:picLocks noChangeAspect="1"/>
+              </p:cNvPicPr>
+              <p:nvPr/>
+            </p:nvPicPr>
+            <p:blipFill>
+              <a:blip r:embed="rId6"/>
+              <a:stretch>
+                <a:fillRect/>
+              </a:stretch>
+            </p:blipFill>
+            <p:spPr>
+              <a:xfrm>
+                <a:off x="11860853" y="2086642"/>
+                <a:ext cx="2700000" cy="2065233"/>
+              </a:xfrm>
+              <a:prstGeom prst="rect">
+                <a:avLst/>
+              </a:prstGeom>
+              <a:ln>
+                <a:noFill/>
+              </a:ln>
+              <a:effectLst>
+                <a:outerShdw blurRad="292100" dist="139700" dir="2700000" algn="tl" rotWithShape="0">
+                  <a:srgbClr val="333333">
+                    <a:alpha val="65000"/>
+                  </a:srgbClr>
+                </a:outerShdw>
+              </a:effectLst>
+            </p:spPr>
+          </p:pic>
+          <p:pic>
+            <p:nvPicPr>
+              <p:cNvPr id="3" name="图片 2">
+                <a:extLst>
+                  <a:ext uri="{FF2B5EF4-FFF2-40B4-BE49-F238E27FC236}">
+                    <a16:creationId xmlns:a16="http://schemas.microsoft.com/office/drawing/2014/main" id="{CCE2C2A9-5C0B-DA46-56E0-605233C11DF8}"/>
+                  </a:ext>
+                </a:extLst>
+              </p:cNvPr>
+              <p:cNvPicPr>
+                <a:picLocks noChangeAspect="1"/>
+              </p:cNvPicPr>
+              <p:nvPr/>
+            </p:nvPicPr>
+            <p:blipFill>
+              <a:blip r:embed="rId7"/>
+              <a:stretch>
+                <a:fillRect/>
+              </a:stretch>
+            </p:blipFill>
+            <p:spPr>
+              <a:xfrm>
+                <a:off x="11860853" y="233199"/>
+                <a:ext cx="2700000" cy="1601835"/>
+              </a:xfrm>
+              <a:prstGeom prst="rect">
+                <a:avLst/>
+              </a:prstGeom>
+              <a:ln>
+                <a:noFill/>
+              </a:ln>
+              <a:effectLst>
+                <a:outerShdw blurRad="292100" dist="139700" dir="2700000" algn="tl" rotWithShape="0">
+                  <a:srgbClr val="333333">
+                    <a:alpha val="65000"/>
+                  </a:srgbClr>
+                </a:outerShdw>
+              </a:effectLst>
+            </p:spPr>
+          </p:pic>
+          <p:pic>
+            <p:nvPicPr>
+              <p:cNvPr id="10" name="图片 9">
+                <a:extLst>
+                  <a:ext uri="{FF2B5EF4-FFF2-40B4-BE49-F238E27FC236}">
+                    <a16:creationId xmlns:a16="http://schemas.microsoft.com/office/drawing/2014/main" id="{5F1D294E-265E-45A8-E722-894E95D5B172}"/>
+                  </a:ext>
+                </a:extLst>
+              </p:cNvPr>
+              <p:cNvPicPr>
+                <a:picLocks noChangeAspect="1"/>
+              </p:cNvPicPr>
+              <p:nvPr/>
+            </p:nvPicPr>
+            <p:blipFill>
+              <a:blip r:embed="rId8"/>
+              <a:stretch>
+                <a:fillRect/>
+              </a:stretch>
+            </p:blipFill>
+            <p:spPr>
+              <a:xfrm>
+                <a:off x="11860853" y="7770990"/>
+                <a:ext cx="2700000" cy="2283334"/>
+              </a:xfrm>
+              <a:prstGeom prst="rect">
+                <a:avLst/>
+              </a:prstGeom>
+              <a:ln>
+                <a:noFill/>
+              </a:ln>
+              <a:effectLst>
+                <a:outerShdw blurRad="292100" dist="139700" dir="2700000" algn="tl" rotWithShape="0">
+                  <a:srgbClr val="333333">
+                    <a:alpha val="65000"/>
+                  </a:srgbClr>
+                </a:outerShdw>
+              </a:effectLst>
+            </p:spPr>
+          </p:pic>
+        </p:grpSp>
+        <p:grpSp>
+          <p:nvGrpSpPr>
+            <p:cNvPr id="28" name="组合 27">
+              <a:extLst>
+                <a:ext uri="{FF2B5EF4-FFF2-40B4-BE49-F238E27FC236}">
+                  <a16:creationId xmlns:a16="http://schemas.microsoft.com/office/drawing/2014/main" id="{795751A8-3963-5E06-C04E-B8C077E9F724}"/>
+                </a:ext>
+              </a:extLst>
+            </p:cNvPr>
+            <p:cNvGrpSpPr/>
+            <p:nvPr/>
+          </p:nvGrpSpPr>
+          <p:grpSpPr>
+            <a:xfrm>
+              <a:off x="8928348" y="132761"/>
+              <a:ext cx="2700000" cy="9881790"/>
+              <a:chOff x="9001125" y="172534"/>
+              <a:chExt cx="2700000" cy="9881790"/>
+            </a:xfrm>
+          </p:grpSpPr>
+          <p:pic>
+            <p:nvPicPr>
+              <p:cNvPr id="7" name="图片 6">
+                <a:extLst>
+                  <a:ext uri="{FF2B5EF4-FFF2-40B4-BE49-F238E27FC236}">
+                    <a16:creationId xmlns:a16="http://schemas.microsoft.com/office/drawing/2014/main" id="{16713BA1-FC1C-5719-C35D-356070B5623B}"/>
+                  </a:ext>
+                </a:extLst>
+              </p:cNvPr>
+              <p:cNvPicPr>
+                <a:picLocks noChangeAspect="1"/>
+              </p:cNvPicPr>
+              <p:nvPr/>
+            </p:nvPicPr>
+            <p:blipFill>
+              <a:blip r:embed="rId9"/>
+              <a:stretch>
+                <a:fillRect/>
+              </a:stretch>
+            </p:blipFill>
+            <p:spPr>
+              <a:xfrm>
+                <a:off x="9001125" y="172534"/>
+                <a:ext cx="2700000" cy="3325000"/>
+              </a:xfrm>
+              <a:prstGeom prst="rect">
+                <a:avLst/>
+              </a:prstGeom>
+              <a:ln>
+                <a:noFill/>
+              </a:ln>
+              <a:effectLst>
+                <a:outerShdw blurRad="292100" dist="139700" dir="2700000" algn="tl" rotWithShape="0">
+                  <a:srgbClr val="333333">
+                    <a:alpha val="65000"/>
+                  </a:srgbClr>
+                </a:outerShdw>
+              </a:effectLst>
+            </p:spPr>
+          </p:pic>
+          <p:pic>
+            <p:nvPicPr>
+              <p:cNvPr id="19" name="图片 18">
+                <a:extLst>
+                  <a:ext uri="{FF2B5EF4-FFF2-40B4-BE49-F238E27FC236}">
+                    <a16:creationId xmlns:a16="http://schemas.microsoft.com/office/drawing/2014/main" id="{F93D775D-EB6D-2D2C-BB26-68C7EF9879F6}"/>
+                  </a:ext>
+                </a:extLst>
+              </p:cNvPr>
+              <p:cNvPicPr>
+                <a:picLocks noChangeAspect="1"/>
+              </p:cNvPicPr>
+              <p:nvPr/>
+            </p:nvPicPr>
+            <p:blipFill>
+              <a:blip r:embed="rId10"/>
+              <a:stretch>
+                <a:fillRect/>
+              </a:stretch>
+            </p:blipFill>
+            <p:spPr>
+              <a:xfrm>
+                <a:off x="9001125" y="3676409"/>
+                <a:ext cx="2700000" cy="3458334"/>
+              </a:xfrm>
+              <a:prstGeom prst="rect">
+                <a:avLst/>
+              </a:prstGeom>
+              <a:ln>
+                <a:noFill/>
+              </a:ln>
+              <a:effectLst>
+                <a:outerShdw blurRad="292100" dist="139700" dir="2700000" algn="tl" rotWithShape="0">
+                  <a:srgbClr val="333333">
+                    <a:alpha val="65000"/>
+                  </a:srgbClr>
+                </a:outerShdw>
+              </a:effectLst>
+            </p:spPr>
+          </p:pic>
+          <p:pic>
+            <p:nvPicPr>
+              <p:cNvPr id="13" name="图片 12">
+                <a:extLst>
+                  <a:ext uri="{FF2B5EF4-FFF2-40B4-BE49-F238E27FC236}">
+                    <a16:creationId xmlns:a16="http://schemas.microsoft.com/office/drawing/2014/main" id="{1DBB3403-9200-6B60-C21D-D1E65FF08F87}"/>
+                  </a:ext>
+                </a:extLst>
+              </p:cNvPr>
+              <p:cNvPicPr>
+                <a:picLocks noChangeAspect="1"/>
+              </p:cNvPicPr>
+              <p:nvPr/>
+            </p:nvPicPr>
+            <p:blipFill>
+              <a:blip r:embed="rId11"/>
+              <a:stretch>
+                <a:fillRect/>
+              </a:stretch>
+            </p:blipFill>
+            <p:spPr>
+              <a:xfrm>
+                <a:off x="9001125" y="7354324"/>
+                <a:ext cx="2700000" cy="2700000"/>
+              </a:xfrm>
+              <a:prstGeom prst="rect">
+                <a:avLst/>
+              </a:prstGeom>
+              <a:ln>
+                <a:noFill/>
+              </a:ln>
+              <a:effectLst>
+                <a:outerShdw blurRad="292100" dist="139700" dir="2700000" algn="tl" rotWithShape="0">
+                  <a:srgbClr val="333333">
+                    <a:alpha val="65000"/>
+                  </a:srgbClr>
+                </a:outerShdw>
+              </a:effectLst>
+            </p:spPr>
+          </p:pic>
+        </p:grpSp>
+        <p:grpSp>
+          <p:nvGrpSpPr>
+            <p:cNvPr id="22" name="组合 21">
+              <a:extLst>
+                <a:ext uri="{FF2B5EF4-FFF2-40B4-BE49-F238E27FC236}">
+                  <a16:creationId xmlns:a16="http://schemas.microsoft.com/office/drawing/2014/main" id="{CF03CA43-30E7-F48C-2CFD-ED97483F7FFA}"/>
+                </a:ext>
+              </a:extLst>
+            </p:cNvPr>
+            <p:cNvGrpSpPr/>
+            <p:nvPr/>
+          </p:nvGrpSpPr>
+          <p:grpSpPr>
+            <a:xfrm>
+              <a:off x="130833" y="132761"/>
+              <a:ext cx="2700000" cy="9817995"/>
+              <a:chOff x="421119" y="132761"/>
+              <a:chExt cx="2700000" cy="9817995"/>
+            </a:xfrm>
+          </p:grpSpPr>
+          <p:pic>
+            <p:nvPicPr>
+              <p:cNvPr id="5" name="图片 4">
+                <a:extLst>
+                  <a:ext uri="{FF2B5EF4-FFF2-40B4-BE49-F238E27FC236}">
+                    <a16:creationId xmlns:a16="http://schemas.microsoft.com/office/drawing/2014/main" id="{819C16D4-27D6-66B3-3E88-0CAE7A10119C}"/>
+                  </a:ext>
+                </a:extLst>
+              </p:cNvPr>
+              <p:cNvPicPr>
+                <a:picLocks noChangeAspect="1"/>
+              </p:cNvPicPr>
+              <p:nvPr/>
+            </p:nvPicPr>
+            <p:blipFill>
+              <a:blip r:embed="rId12"/>
+              <a:stretch>
+                <a:fillRect/>
+              </a:stretch>
+            </p:blipFill>
+            <p:spPr>
+              <a:xfrm>
+                <a:off x="421119" y="132761"/>
+                <a:ext cx="2700000" cy="3791666"/>
+              </a:xfrm>
+              <a:prstGeom prst="rect">
+                <a:avLst/>
+              </a:prstGeom>
+              <a:ln>
+                <a:noFill/>
+              </a:ln>
+              <a:effectLst>
+                <a:outerShdw blurRad="292100" dist="139700" dir="2700000" algn="tl" rotWithShape="0">
+                  <a:srgbClr val="333333">
+                    <a:alpha val="65000"/>
+                  </a:srgbClr>
+                </a:outerShdw>
+              </a:effectLst>
+            </p:spPr>
+          </p:pic>
+          <p:pic>
+            <p:nvPicPr>
+              <p:cNvPr id="15" name="图片 14">
+                <a:extLst>
+                  <a:ext uri="{FF2B5EF4-FFF2-40B4-BE49-F238E27FC236}">
+                    <a16:creationId xmlns:a16="http://schemas.microsoft.com/office/drawing/2014/main" id="{6F8F9E2B-B4ED-CB0C-2F18-8DE77246E66C}"/>
+                  </a:ext>
+                </a:extLst>
+              </p:cNvPr>
+              <p:cNvPicPr>
+                <a:picLocks noChangeAspect="1"/>
+              </p:cNvPicPr>
+              <p:nvPr/>
+            </p:nvPicPr>
+            <p:blipFill>
+              <a:blip r:embed="rId13"/>
+              <a:stretch>
+                <a:fillRect/>
+              </a:stretch>
+            </p:blipFill>
+            <p:spPr>
+              <a:xfrm>
+                <a:off x="421119" y="4151875"/>
+                <a:ext cx="2700000" cy="2975000"/>
+              </a:xfrm>
+              <a:prstGeom prst="rect">
+                <a:avLst/>
+              </a:prstGeom>
+              <a:ln>
+                <a:noFill/>
+              </a:ln>
+              <a:effectLst>
+                <a:outerShdw blurRad="292100" dist="139700" dir="2700000" algn="tl" rotWithShape="0">
+                  <a:srgbClr val="333333">
+                    <a:alpha val="65000"/>
+                  </a:srgbClr>
+                </a:outerShdw>
+              </a:effectLst>
+            </p:spPr>
+          </p:pic>
+          <p:pic>
+            <p:nvPicPr>
+              <p:cNvPr id="16" name="图片 15">
+                <a:extLst>
+                  <a:ext uri="{FF2B5EF4-FFF2-40B4-BE49-F238E27FC236}">
+                    <a16:creationId xmlns:a16="http://schemas.microsoft.com/office/drawing/2014/main" id="{AE6327C2-7246-F762-4043-1BDDE5C9BE7E}"/>
+                  </a:ext>
+                </a:extLst>
+              </p:cNvPr>
+              <p:cNvPicPr>
+                <a:picLocks noChangeAspect="1"/>
+              </p:cNvPicPr>
+              <p:nvPr/>
+            </p:nvPicPr>
+            <p:blipFill>
+              <a:blip r:embed="rId14"/>
+              <a:stretch>
+                <a:fillRect/>
+              </a:stretch>
+            </p:blipFill>
+            <p:spPr>
+              <a:xfrm>
+                <a:off x="421119" y="7325296"/>
+                <a:ext cx="2700000" cy="2625460"/>
+              </a:xfrm>
+              <a:prstGeom prst="rect">
+                <a:avLst/>
+              </a:prstGeom>
+              <a:ln>
+                <a:noFill/>
+              </a:ln>
+              <a:effectLst>
+                <a:outerShdw blurRad="292100" dist="139700" dir="2700000" algn="tl" rotWithShape="0">
+                  <a:srgbClr val="333333">
+                    <a:alpha val="65000"/>
+                  </a:srgbClr>
+                </a:outerShdw>
+              </a:effectLst>
+            </p:spPr>
+          </p:pic>
+        </p:grpSp>
+        <p:grpSp>
+          <p:nvGrpSpPr>
+            <p:cNvPr id="27" name="组合 26">
+              <a:extLst>
+                <a:ext uri="{FF2B5EF4-FFF2-40B4-BE49-F238E27FC236}">
+                  <a16:creationId xmlns:a16="http://schemas.microsoft.com/office/drawing/2014/main" id="{97F1F8D8-EFBD-89B1-CC2F-5B6DED64437B}"/>
+                </a:ext>
+              </a:extLst>
+            </p:cNvPr>
+            <p:cNvGrpSpPr/>
+            <p:nvPr/>
+          </p:nvGrpSpPr>
+          <p:grpSpPr>
+            <a:xfrm>
+              <a:off x="5995843" y="132761"/>
+              <a:ext cx="2700000" cy="9870714"/>
+              <a:chOff x="6119642" y="210668"/>
+              <a:chExt cx="2700000" cy="9870714"/>
+            </a:xfrm>
+          </p:grpSpPr>
+          <p:pic>
+            <p:nvPicPr>
+              <p:cNvPr id="11" name="图片 10">
+                <a:extLst>
+                  <a:ext uri="{FF2B5EF4-FFF2-40B4-BE49-F238E27FC236}">
+                    <a16:creationId xmlns:a16="http://schemas.microsoft.com/office/drawing/2014/main" id="{C86AF943-A7A7-BC9C-3119-527DCC7199E6}"/>
+                  </a:ext>
+                </a:extLst>
+              </p:cNvPr>
+              <p:cNvPicPr>
+                <a:picLocks noChangeAspect="1"/>
+              </p:cNvPicPr>
+              <p:nvPr/>
+            </p:nvPicPr>
+            <p:blipFill>
+              <a:blip r:embed="rId15"/>
+              <a:stretch>
+                <a:fillRect/>
+              </a:stretch>
+            </p:blipFill>
+            <p:spPr>
+              <a:xfrm>
+                <a:off x="6119642" y="210668"/>
+                <a:ext cx="2700000" cy="3223385"/>
+              </a:xfrm>
+              <a:prstGeom prst="rect">
+                <a:avLst/>
+              </a:prstGeom>
+              <a:ln>
+                <a:noFill/>
+              </a:ln>
+              <a:effectLst>
+                <a:outerShdw blurRad="292100" dist="139700" dir="2700000" algn="tl" rotWithShape="0">
+                  <a:srgbClr val="333333">
+                    <a:alpha val="65000"/>
+                  </a:srgbClr>
+                </a:outerShdw>
+              </a:effectLst>
+            </p:spPr>
+          </p:pic>
+          <p:pic>
+            <p:nvPicPr>
+              <p:cNvPr id="21" name="图片 20">
+                <a:extLst>
+                  <a:ext uri="{FF2B5EF4-FFF2-40B4-BE49-F238E27FC236}">
+                    <a16:creationId xmlns:a16="http://schemas.microsoft.com/office/drawing/2014/main" id="{FDFA6ED3-F3A0-B15A-7741-0A9D29A60F96}"/>
+                  </a:ext>
+                </a:extLst>
+              </p:cNvPr>
+              <p:cNvPicPr>
+                <a:picLocks noChangeAspect="1"/>
+              </p:cNvPicPr>
+              <p:nvPr/>
+            </p:nvPicPr>
+            <p:blipFill>
+              <a:blip r:embed="rId16"/>
+              <a:stretch>
+                <a:fillRect/>
+              </a:stretch>
+            </p:blipFill>
+            <p:spPr>
+              <a:xfrm>
+                <a:off x="6119642" y="6689507"/>
+                <a:ext cx="2700000" cy="3391875"/>
+              </a:xfrm>
+              <a:prstGeom prst="rect">
+                <a:avLst/>
+              </a:prstGeom>
+              <a:ln>
+                <a:noFill/>
+              </a:ln>
+              <a:effectLst>
+                <a:outerShdw blurRad="292100" dist="139700" dir="2700000" algn="tl" rotWithShape="0">
+                  <a:srgbClr val="333333">
+                    <a:alpha val="65000"/>
+                  </a:srgbClr>
+                </a:outerShdw>
+              </a:effectLst>
+            </p:spPr>
+          </p:pic>
+        </p:grpSp>
         <p:pic>
           <p:nvPicPr>
-            <p:cNvPr id="5" name="图片 4">
+            <p:cNvPr id="31" name="图片 30">
               <a:extLst>
                 <a:ext uri="{FF2B5EF4-FFF2-40B4-BE49-F238E27FC236}">
-                  <a16:creationId xmlns:a16="http://schemas.microsoft.com/office/drawing/2014/main" id="{819C16D4-27D6-66B3-3E88-0CAE7A10119C}"/>
+                  <a16:creationId xmlns:a16="http://schemas.microsoft.com/office/drawing/2014/main" id="{D599AC5B-3386-EABD-B9A8-10CC1A3ABEE9}"/>
                 </a:ext>
               </a:extLst>
             </p:cNvPr>
@@ -3362,619 +4067,29 @@
             <p:nvPr/>
           </p:nvPicPr>
           <p:blipFill>
-            <a:blip r:embed="rId2"/>
+            <a:blip r:embed="rId17"/>
             <a:stretch>
               <a:fillRect/>
             </a:stretch>
           </p:blipFill>
           <p:spPr>
             <a:xfrm>
-              <a:off x="652623" y="288939"/>
-              <a:ext cx="2160000" cy="3033333"/>
+              <a:off x="5995843" y="3803963"/>
+              <a:ext cx="2700000" cy="2358333"/>
             </a:xfrm>
             <a:prstGeom prst="rect">
               <a:avLst/>
             </a:prstGeom>
-            <a:solidFill>
-              <a:srgbClr val="FFFFFF">
-                <a:shade val="85000"/>
-              </a:srgbClr>
-            </a:solidFill>
-            <a:ln w="0" cap="sq">
-              <a:solidFill>
-                <a:srgbClr val="FFFFFF"/>
-              </a:solidFill>
-              <a:miter lim="800000"/>
+            <a:ln>
+              <a:noFill/>
             </a:ln>
             <a:effectLst>
-              <a:outerShdw blurRad="65000" dist="50800" dir="12900000" kx="195000" ky="145000" algn="tl" rotWithShape="0">
-                <a:srgbClr val="000000">
-                  <a:alpha val="30000"/>
+              <a:outerShdw blurRad="292100" dist="139700" dir="2700000" algn="tl" rotWithShape="0">
+                <a:srgbClr val="333333">
+                  <a:alpha val="65000"/>
                 </a:srgbClr>
               </a:outerShdw>
-              <a:reflection stA="45000" endPos="4000" dist="50800" dir="5400000" sy="-100000" algn="bl" rotWithShape="0"/>
             </a:effectLst>
-            <a:scene3d>
-              <a:camera prst="orthographicFront">
-                <a:rot lat="0" lon="0" rev="360000"/>
-              </a:camera>
-              <a:lightRig rig="twoPt" dir="t">
-                <a:rot lat="0" lon="0" rev="7200000"/>
-              </a:lightRig>
-            </a:scene3d>
-            <a:sp3d contourW="12700">
-              <a:bevelT w="25400" h="19050"/>
-              <a:contourClr>
-                <a:srgbClr val="969696"/>
-              </a:contourClr>
-            </a:sp3d>
-          </p:spPr>
-        </p:pic>
-        <p:pic>
-          <p:nvPicPr>
-            <p:cNvPr id="7" name="图片 6">
-              <a:extLst>
-                <a:ext uri="{FF2B5EF4-FFF2-40B4-BE49-F238E27FC236}">
-                  <a16:creationId xmlns:a16="http://schemas.microsoft.com/office/drawing/2014/main" id="{16713BA1-FC1C-5719-C35D-356070B5623B}"/>
-                </a:ext>
-              </a:extLst>
-            </p:cNvPr>
-            <p:cNvPicPr>
-              <a:picLocks noChangeAspect="1"/>
-            </p:cNvPicPr>
-            <p:nvPr/>
-          </p:nvPicPr>
-          <p:blipFill>
-            <a:blip r:embed="rId3"/>
-            <a:stretch>
-              <a:fillRect/>
-            </a:stretch>
-          </p:blipFill>
-          <p:spPr>
-            <a:xfrm>
-              <a:off x="6963632" y="483679"/>
-              <a:ext cx="2160000" cy="2660000"/>
-            </a:xfrm>
-            <a:prstGeom prst="rect">
-              <a:avLst/>
-            </a:prstGeom>
-            <a:solidFill>
-              <a:srgbClr val="FFFFFF">
-                <a:shade val="85000"/>
-              </a:srgbClr>
-            </a:solidFill>
-            <a:ln w="0" cap="sq">
-              <a:solidFill>
-                <a:srgbClr val="FFFFFF"/>
-              </a:solidFill>
-              <a:miter lim="800000"/>
-            </a:ln>
-            <a:effectLst>
-              <a:outerShdw blurRad="65000" dist="50800" dir="12900000" kx="195000" ky="145000" algn="tl" rotWithShape="0">
-                <a:srgbClr val="000000">
-                  <a:alpha val="30000"/>
-                </a:srgbClr>
-              </a:outerShdw>
-              <a:reflection stA="45000" endPos="4000" dist="50800" dir="5400000" sy="-100000" algn="bl" rotWithShape="0"/>
-            </a:effectLst>
-            <a:scene3d>
-              <a:camera prst="orthographicFront">
-                <a:rot lat="0" lon="0" rev="360000"/>
-              </a:camera>
-              <a:lightRig rig="twoPt" dir="t">
-                <a:rot lat="0" lon="0" rev="7200000"/>
-              </a:lightRig>
-            </a:scene3d>
-            <a:sp3d contourW="12700">
-              <a:bevelT w="25400" h="19050"/>
-              <a:contourClr>
-                <a:srgbClr val="969696"/>
-              </a:contourClr>
-            </a:sp3d>
-          </p:spPr>
-        </p:pic>
-        <p:pic>
-          <p:nvPicPr>
-            <p:cNvPr id="9" name="图片 8">
-              <a:extLst>
-                <a:ext uri="{FF2B5EF4-FFF2-40B4-BE49-F238E27FC236}">
-                  <a16:creationId xmlns:a16="http://schemas.microsoft.com/office/drawing/2014/main" id="{8D0F686B-1E29-74C2-7596-DD0ED6686280}"/>
-                </a:ext>
-              </a:extLst>
-            </p:cNvPr>
-            <p:cNvPicPr>
-              <a:picLocks noChangeAspect="1"/>
-            </p:cNvPicPr>
-            <p:nvPr/>
-          </p:nvPicPr>
-          <p:blipFill>
-            <a:blip r:embed="rId4"/>
-            <a:stretch>
-              <a:fillRect/>
-            </a:stretch>
-          </p:blipFill>
-          <p:spPr>
-            <a:xfrm>
-              <a:off x="6850090" y="3049806"/>
-              <a:ext cx="2160000" cy="2314285"/>
-            </a:xfrm>
-            <a:prstGeom prst="rect">
-              <a:avLst/>
-            </a:prstGeom>
-            <a:solidFill>
-              <a:srgbClr val="FFFFFF">
-                <a:shade val="85000"/>
-              </a:srgbClr>
-            </a:solidFill>
-            <a:ln w="0" cap="sq">
-              <a:solidFill>
-                <a:srgbClr val="FFFFFF"/>
-              </a:solidFill>
-              <a:miter lim="800000"/>
-            </a:ln>
-            <a:effectLst>
-              <a:outerShdw blurRad="65000" dist="50800" dir="12900000" kx="195000" ky="145000" algn="tl" rotWithShape="0">
-                <a:srgbClr val="000000">
-                  <a:alpha val="30000"/>
-                </a:srgbClr>
-              </a:outerShdw>
-              <a:reflection stA="45000" endPos="4000" dist="50800" dir="5400000" sy="-100000" algn="bl" rotWithShape="0"/>
-            </a:effectLst>
-            <a:scene3d>
-              <a:camera prst="orthographicFront">
-                <a:rot lat="0" lon="0" rev="360000"/>
-              </a:camera>
-              <a:lightRig rig="twoPt" dir="t">
-                <a:rot lat="0" lon="0" rev="7200000"/>
-              </a:lightRig>
-            </a:scene3d>
-            <a:sp3d contourW="12700">
-              <a:bevelT w="25400" h="19050"/>
-              <a:contourClr>
-                <a:srgbClr val="969696"/>
-              </a:contourClr>
-            </a:sp3d>
-          </p:spPr>
-        </p:pic>
-        <p:pic>
-          <p:nvPicPr>
-            <p:cNvPr id="11" name="图片 10">
-              <a:extLst>
-                <a:ext uri="{FF2B5EF4-FFF2-40B4-BE49-F238E27FC236}">
-                  <a16:creationId xmlns:a16="http://schemas.microsoft.com/office/drawing/2014/main" id="{C86AF943-A7A7-BC9C-3119-527DCC7199E6}"/>
-                </a:ext>
-              </a:extLst>
-            </p:cNvPr>
-            <p:cNvPicPr>
-              <a:picLocks noChangeAspect="1"/>
-            </p:cNvPicPr>
-            <p:nvPr/>
-          </p:nvPicPr>
-          <p:blipFill>
-            <a:blip r:embed="rId5"/>
-            <a:stretch>
-              <a:fillRect/>
-            </a:stretch>
-          </p:blipFill>
-          <p:spPr>
-            <a:xfrm>
-              <a:off x="4730763" y="471098"/>
-              <a:ext cx="2160000" cy="2578708"/>
-            </a:xfrm>
-            <a:prstGeom prst="rect">
-              <a:avLst/>
-            </a:prstGeom>
-            <a:solidFill>
-              <a:srgbClr val="FFFFFF">
-                <a:shade val="85000"/>
-              </a:srgbClr>
-            </a:solidFill>
-            <a:ln w="0" cap="sq">
-              <a:solidFill>
-                <a:srgbClr val="FFFFFF"/>
-              </a:solidFill>
-              <a:miter lim="800000"/>
-            </a:ln>
-            <a:effectLst>
-              <a:outerShdw blurRad="65000" dist="50800" dir="12900000" kx="195000" ky="145000" algn="tl" rotWithShape="0">
-                <a:srgbClr val="000000">
-                  <a:alpha val="30000"/>
-                </a:srgbClr>
-              </a:outerShdw>
-              <a:reflection stA="45000" endPos="4000" dist="50800" dir="5400000" sy="-100000" algn="bl" rotWithShape="0"/>
-            </a:effectLst>
-            <a:scene3d>
-              <a:camera prst="orthographicFront">
-                <a:rot lat="0" lon="0" rev="360000"/>
-              </a:camera>
-              <a:lightRig rig="twoPt" dir="t">
-                <a:rot lat="0" lon="0" rev="7200000"/>
-              </a:lightRig>
-            </a:scene3d>
-            <a:sp3d contourW="12700">
-              <a:bevelT w="25400" h="19050"/>
-              <a:contourClr>
-                <a:srgbClr val="969696"/>
-              </a:contourClr>
-            </a:sp3d>
-          </p:spPr>
-        </p:pic>
-        <p:pic>
-          <p:nvPicPr>
-            <p:cNvPr id="15" name="图片 14">
-              <a:extLst>
-                <a:ext uri="{FF2B5EF4-FFF2-40B4-BE49-F238E27FC236}">
-                  <a16:creationId xmlns:a16="http://schemas.microsoft.com/office/drawing/2014/main" id="{6F8F9E2B-B4ED-CB0C-2F18-8DE77246E66C}"/>
-                </a:ext>
-              </a:extLst>
-            </p:cNvPr>
-            <p:cNvPicPr>
-              <a:picLocks noChangeAspect="1"/>
-            </p:cNvPicPr>
-            <p:nvPr/>
-          </p:nvPicPr>
-          <p:blipFill>
-            <a:blip r:embed="rId6"/>
-            <a:stretch>
-              <a:fillRect/>
-            </a:stretch>
-          </p:blipFill>
-          <p:spPr>
-            <a:xfrm>
-              <a:off x="672327" y="2891837"/>
-              <a:ext cx="2160000" cy="2380000"/>
-            </a:xfrm>
-            <a:prstGeom prst="rect">
-              <a:avLst/>
-            </a:prstGeom>
-            <a:solidFill>
-              <a:srgbClr val="FFFFFF">
-                <a:shade val="85000"/>
-              </a:srgbClr>
-            </a:solidFill>
-            <a:ln w="0" cap="sq">
-              <a:solidFill>
-                <a:srgbClr val="FFFFFF"/>
-              </a:solidFill>
-              <a:miter lim="800000"/>
-            </a:ln>
-            <a:effectLst>
-              <a:outerShdw blurRad="65000" dist="50800" dir="12900000" kx="195000" ky="145000" algn="tl" rotWithShape="0">
-                <a:srgbClr val="000000">
-                  <a:alpha val="30000"/>
-                </a:srgbClr>
-              </a:outerShdw>
-              <a:reflection stA="45000" endPos="4000" dist="50800" dir="5400000" sy="-100000" algn="bl" rotWithShape="0"/>
-            </a:effectLst>
-            <a:scene3d>
-              <a:camera prst="orthographicFront">
-                <a:rot lat="0" lon="0" rev="360000"/>
-              </a:camera>
-              <a:lightRig rig="twoPt" dir="t">
-                <a:rot lat="0" lon="0" rev="7200000"/>
-              </a:lightRig>
-            </a:scene3d>
-            <a:sp3d contourW="12700">
-              <a:bevelT w="25400" h="19050"/>
-              <a:contourClr>
-                <a:srgbClr val="969696"/>
-              </a:contourClr>
-            </a:sp3d>
-          </p:spPr>
-        </p:pic>
-        <p:pic>
-          <p:nvPicPr>
-            <p:cNvPr id="17" name="图片 16">
-              <a:extLst>
-                <a:ext uri="{FF2B5EF4-FFF2-40B4-BE49-F238E27FC236}">
-                  <a16:creationId xmlns:a16="http://schemas.microsoft.com/office/drawing/2014/main" id="{E1300CF4-6DF2-F1C2-1067-AD7E42247F6C}"/>
-                </a:ext>
-              </a:extLst>
-            </p:cNvPr>
-            <p:cNvPicPr>
-              <a:picLocks noChangeAspect="1"/>
-            </p:cNvPicPr>
-            <p:nvPr/>
-          </p:nvPicPr>
-          <p:blipFill>
-            <a:blip r:embed="rId7"/>
-            <a:stretch>
-              <a:fillRect/>
-            </a:stretch>
-          </p:blipFill>
-          <p:spPr>
-            <a:xfrm>
-              <a:off x="4617221" y="2805480"/>
-              <a:ext cx="2160000" cy="2385970"/>
-            </a:xfrm>
-            <a:prstGeom prst="rect">
-              <a:avLst/>
-            </a:prstGeom>
-            <a:solidFill>
-              <a:srgbClr val="FFFFFF">
-                <a:shade val="85000"/>
-              </a:srgbClr>
-            </a:solidFill>
-            <a:ln w="0" cap="sq">
-              <a:solidFill>
-                <a:srgbClr val="FFFFFF"/>
-              </a:solidFill>
-              <a:miter lim="800000"/>
-            </a:ln>
-            <a:effectLst>
-              <a:outerShdw blurRad="65000" dist="50800" dir="12900000" kx="195000" ky="145000" algn="tl" rotWithShape="0">
-                <a:srgbClr val="000000">
-                  <a:alpha val="30000"/>
-                </a:srgbClr>
-              </a:outerShdw>
-              <a:reflection stA="45000" endPos="4000" dist="50800" dir="5400000" sy="-100000" algn="bl" rotWithShape="0"/>
-            </a:effectLst>
-            <a:scene3d>
-              <a:camera prst="orthographicFront">
-                <a:rot lat="0" lon="0" rev="360000"/>
-              </a:camera>
-              <a:lightRig rig="twoPt" dir="t">
-                <a:rot lat="0" lon="0" rev="7200000"/>
-              </a:lightRig>
-            </a:scene3d>
-            <a:sp3d contourW="12700">
-              <a:bevelT w="25400" h="19050"/>
-              <a:contourClr>
-                <a:srgbClr val="969696"/>
-              </a:contourClr>
-            </a:sp3d>
-          </p:spPr>
-        </p:pic>
-        <p:pic>
-          <p:nvPicPr>
-            <p:cNvPr id="19" name="图片 18">
-              <a:extLst>
-                <a:ext uri="{FF2B5EF4-FFF2-40B4-BE49-F238E27FC236}">
-                  <a16:creationId xmlns:a16="http://schemas.microsoft.com/office/drawing/2014/main" id="{F93D775D-EB6D-2D2C-BB26-68C7EF9879F6}"/>
-                </a:ext>
-              </a:extLst>
-            </p:cNvPr>
-            <p:cNvPicPr>
-              <a:picLocks noChangeAspect="1"/>
-            </p:cNvPicPr>
-            <p:nvPr/>
-          </p:nvPicPr>
-          <p:blipFill>
-            <a:blip r:embed="rId8"/>
-            <a:stretch>
-              <a:fillRect/>
-            </a:stretch>
-          </p:blipFill>
-          <p:spPr>
-            <a:xfrm>
-              <a:off x="2950348" y="4896241"/>
-              <a:ext cx="2160000" cy="2766667"/>
-            </a:xfrm>
-            <a:prstGeom prst="rect">
-              <a:avLst/>
-            </a:prstGeom>
-            <a:solidFill>
-              <a:srgbClr val="FFFFFF">
-                <a:shade val="85000"/>
-              </a:srgbClr>
-            </a:solidFill>
-            <a:ln w="0" cap="sq">
-              <a:solidFill>
-                <a:srgbClr val="FFFFFF"/>
-              </a:solidFill>
-              <a:miter lim="800000"/>
-            </a:ln>
-            <a:effectLst>
-              <a:outerShdw blurRad="65000" dist="50800" dir="12900000" kx="195000" ky="145000" algn="tl" rotWithShape="0">
-                <a:srgbClr val="000000">
-                  <a:alpha val="30000"/>
-                </a:srgbClr>
-              </a:outerShdw>
-              <a:reflection stA="45000" endPos="4000" dist="50800" dir="5400000" sy="-100000" algn="bl" rotWithShape="0"/>
-            </a:effectLst>
-            <a:scene3d>
-              <a:camera prst="orthographicFront">
-                <a:rot lat="0" lon="0" rev="360000"/>
-              </a:camera>
-              <a:lightRig rig="twoPt" dir="t">
-                <a:rot lat="0" lon="0" rev="7200000"/>
-              </a:lightRig>
-            </a:scene3d>
-            <a:sp3d contourW="12700">
-              <a:bevelT w="25400" h="19050"/>
-              <a:contourClr>
-                <a:srgbClr val="969696"/>
-              </a:contourClr>
-            </a:sp3d>
-          </p:spPr>
-        </p:pic>
-        <p:pic>
-          <p:nvPicPr>
-            <p:cNvPr id="21" name="图片 20">
-              <a:extLst>
-                <a:ext uri="{FF2B5EF4-FFF2-40B4-BE49-F238E27FC236}">
-                  <a16:creationId xmlns:a16="http://schemas.microsoft.com/office/drawing/2014/main" id="{FDFA6ED3-F3A0-B15A-7741-0A9D29A60F96}"/>
-                </a:ext>
-              </a:extLst>
-            </p:cNvPr>
-            <p:cNvPicPr>
-              <a:picLocks noChangeAspect="1"/>
-            </p:cNvPicPr>
-            <p:nvPr/>
-          </p:nvPicPr>
-          <p:blipFill>
-            <a:blip r:embed="rId9"/>
-            <a:stretch>
-              <a:fillRect/>
-            </a:stretch>
-          </p:blipFill>
-          <p:spPr>
-            <a:xfrm>
-              <a:off x="2570763" y="2135374"/>
-              <a:ext cx="2160000" cy="2713500"/>
-            </a:xfrm>
-            <a:prstGeom prst="rect">
-              <a:avLst/>
-            </a:prstGeom>
-            <a:solidFill>
-              <a:srgbClr val="FFFFFF">
-                <a:shade val="85000"/>
-              </a:srgbClr>
-            </a:solidFill>
-            <a:ln w="0" cap="sq">
-              <a:solidFill>
-                <a:srgbClr val="FFFFFF"/>
-              </a:solidFill>
-              <a:miter lim="800000"/>
-            </a:ln>
-            <a:effectLst>
-              <a:outerShdw blurRad="65000" dist="50800" dir="12900000" kx="195000" ky="145000" algn="tl" rotWithShape="0">
-                <a:srgbClr val="000000">
-                  <a:alpha val="30000"/>
-                </a:srgbClr>
-              </a:outerShdw>
-              <a:reflection stA="45000" endPos="4000" dist="50800" dir="5400000" sy="-100000" algn="bl" rotWithShape="0"/>
-            </a:effectLst>
-            <a:scene3d>
-              <a:camera prst="orthographicFront">
-                <a:rot lat="0" lon="0" rev="360000"/>
-              </a:camera>
-              <a:lightRig rig="twoPt" dir="t">
-                <a:rot lat="0" lon="0" rev="7200000"/>
-              </a:lightRig>
-            </a:scene3d>
-            <a:sp3d contourW="12700">
-              <a:bevelT w="25400" h="19050"/>
-              <a:contourClr>
-                <a:srgbClr val="969696"/>
-              </a:contourClr>
-            </a:sp3d>
-          </p:spPr>
-        </p:pic>
-        <p:pic>
-          <p:nvPicPr>
-            <p:cNvPr id="23" name="图片 22">
-              <a:extLst>
-                <a:ext uri="{FF2B5EF4-FFF2-40B4-BE49-F238E27FC236}">
-                  <a16:creationId xmlns:a16="http://schemas.microsoft.com/office/drawing/2014/main" id="{BD724E23-9B75-8EDA-10D0-04AAE3B8653B}"/>
-                </a:ext>
-              </a:extLst>
-            </p:cNvPr>
-            <p:cNvPicPr>
-              <a:picLocks noChangeAspect="1"/>
-            </p:cNvPicPr>
-            <p:nvPr/>
-          </p:nvPicPr>
-          <p:blipFill>
-            <a:blip r:embed="rId10"/>
-            <a:stretch>
-              <a:fillRect/>
-            </a:stretch>
-          </p:blipFill>
-          <p:spPr>
-            <a:xfrm>
-              <a:off x="2691693" y="288939"/>
-              <a:ext cx="2160000" cy="1652186"/>
-            </a:xfrm>
-            <a:prstGeom prst="rect">
-              <a:avLst/>
-            </a:prstGeom>
-            <a:solidFill>
-              <a:srgbClr val="FFFFFF">
-                <a:shade val="85000"/>
-              </a:srgbClr>
-            </a:solidFill>
-            <a:ln w="0" cap="sq">
-              <a:solidFill>
-                <a:srgbClr val="FFFFFF"/>
-              </a:solidFill>
-              <a:miter lim="800000"/>
-            </a:ln>
-            <a:effectLst>
-              <a:outerShdw blurRad="65000" dist="50800" dir="12900000" kx="195000" ky="145000" algn="tl" rotWithShape="0">
-                <a:srgbClr val="000000">
-                  <a:alpha val="30000"/>
-                </a:srgbClr>
-              </a:outerShdw>
-              <a:reflection stA="45000" endPos="4000" dist="50800" dir="5400000" sy="-100000" algn="bl" rotWithShape="0"/>
-            </a:effectLst>
-            <a:scene3d>
-              <a:camera prst="orthographicFront">
-                <a:rot lat="0" lon="0" rev="360000"/>
-              </a:camera>
-              <a:lightRig rig="twoPt" dir="t">
-                <a:rot lat="0" lon="0" rev="7200000"/>
-              </a:lightRig>
-            </a:scene3d>
-            <a:sp3d contourW="12700">
-              <a:bevelT w="25400" h="19050"/>
-              <a:contourClr>
-                <a:srgbClr val="969696"/>
-              </a:contourClr>
-            </a:sp3d>
-          </p:spPr>
-        </p:pic>
-        <p:pic>
-          <p:nvPicPr>
-            <p:cNvPr id="25" name="图片 24">
-              <a:extLst>
-                <a:ext uri="{FF2B5EF4-FFF2-40B4-BE49-F238E27FC236}">
-                  <a16:creationId xmlns:a16="http://schemas.microsoft.com/office/drawing/2014/main" id="{221A32CF-107B-342D-5A95-6F70DB874528}"/>
-                </a:ext>
-              </a:extLst>
-            </p:cNvPr>
-            <p:cNvPicPr>
-              <a:picLocks noChangeAspect="1"/>
-            </p:cNvPicPr>
-            <p:nvPr/>
-          </p:nvPicPr>
-          <p:blipFill>
-            <a:blip r:embed="rId11"/>
-            <a:stretch>
-              <a:fillRect/>
-            </a:stretch>
-          </p:blipFill>
-          <p:spPr>
-            <a:xfrm>
-              <a:off x="5228369" y="5191450"/>
-              <a:ext cx="2160000" cy="3061241"/>
-            </a:xfrm>
-            <a:prstGeom prst="rect">
-              <a:avLst/>
-            </a:prstGeom>
-            <a:solidFill>
-              <a:srgbClr val="FFFFFF">
-                <a:shade val="85000"/>
-              </a:srgbClr>
-            </a:solidFill>
-            <a:ln w="0" cap="sq">
-              <a:solidFill>
-                <a:srgbClr val="FFFFFF"/>
-              </a:solidFill>
-              <a:miter lim="800000"/>
-            </a:ln>
-            <a:effectLst>
-              <a:outerShdw blurRad="65000" dist="50800" dir="12900000" kx="195000" ky="145000" algn="tl" rotWithShape="0">
-                <a:srgbClr val="000000">
-                  <a:alpha val="30000"/>
-                </a:srgbClr>
-              </a:outerShdw>
-              <a:reflection stA="45000" endPos="4000" dist="50800" dir="5400000" sy="-100000" algn="bl" rotWithShape="0"/>
-            </a:effectLst>
-            <a:scene3d>
-              <a:camera prst="orthographicFront">
-                <a:rot lat="0" lon="0" rev="360000"/>
-              </a:camera>
-              <a:lightRig rig="twoPt" dir="t">
-                <a:rot lat="0" lon="0" rev="7200000"/>
-              </a:lightRig>
-            </a:scene3d>
-            <a:sp3d contourW="12700">
-              <a:bevelT w="25400" h="19050"/>
-              <a:contourClr>
-                <a:srgbClr val="969696"/>
-              </a:contourClr>
-            </a:sp3d>
           </p:spPr>
         </p:pic>
       </p:grpSp>
